--- a/PPT/2DGP 2차 발표.pptx
+++ b/PPT/2DGP 2차 발표.pptx
@@ -8,7 +8,8 @@
     <p:sldId id="256" r:id="rId2"/>
     <p:sldId id="261" r:id="rId3"/>
     <p:sldId id="267" r:id="rId4"/>
-    <p:sldId id="266" r:id="rId5"/>
+    <p:sldId id="268" r:id="rId5"/>
+    <p:sldId id="266" r:id="rId6"/>
   </p:sldIdLst>
   <p:sldSz cx="12192000" cy="6858000"/>
   <p:notesSz cx="6858000" cy="9144000"/>
@@ -2985,7 +2986,7 @@
           <p:cNvPr id="4" name="TextBox 3">
             <a:extLst>
               <a:ext uri="{FF2B5EF4-FFF2-40B4-BE49-F238E27FC236}">
-                <a16:creationId xmlns="" xmlns:a16="http://schemas.microsoft.com/office/drawing/2014/main" id="{B6956878-ABEC-AF9A-D2CE-3CA826B6E387}"/>
+                <a16:creationId xmlns:a16="http://schemas.microsoft.com/office/drawing/2014/main" xmlns="" id="{B6956878-ABEC-AF9A-D2CE-3CA826B6E387}"/>
               </a:ext>
             </a:extLst>
           </p:cNvPr>
@@ -3055,17 +3056,7 @@
                 <a:latin typeface="+mj-ea"/>
                 <a:ea typeface="+mj-ea"/>
               </a:rPr>
-              <a:t>차 </a:t>
-            </a:r>
-            <a:r>
-              <a:rPr lang="ko-KR" altLang="en-US" sz="6600" b="1" spc="-150" dirty="0" smtClean="0">
-                <a:solidFill>
-                  <a:schemeClr val="bg1"/>
-                </a:solidFill>
-                <a:latin typeface="+mj-ea"/>
-                <a:ea typeface="+mj-ea"/>
-              </a:rPr>
-              <a:t>발표</a:t>
+              <a:t>차 발표</a:t>
             </a:r>
             <a:endParaRPr lang="ko-KR" altLang="en-US" sz="6000" spc="-150" dirty="0">
               <a:solidFill>
@@ -3080,7 +3071,7 @@
           <p:cNvPr id="5" name="TextBox 4">
             <a:extLst>
               <a:ext uri="{FF2B5EF4-FFF2-40B4-BE49-F238E27FC236}">
-                <a16:creationId xmlns="" xmlns:a16="http://schemas.microsoft.com/office/drawing/2014/main" id="{B1BEB93D-E860-DD72-63D2-BA2ACD126D65}"/>
+                <a16:creationId xmlns:a16="http://schemas.microsoft.com/office/drawing/2014/main" xmlns="" id="{B1BEB93D-E860-DD72-63D2-BA2ACD126D65}"/>
               </a:ext>
             </a:extLst>
           </p:cNvPr>
@@ -3132,7 +3123,7 @@
           <p:cNvPr id="6" name="직선 연결선 5">
             <a:extLst>
               <a:ext uri="{FF2B5EF4-FFF2-40B4-BE49-F238E27FC236}">
-                <a16:creationId xmlns="" xmlns:a16="http://schemas.microsoft.com/office/drawing/2014/main" id="{AA083F78-7EAC-088E-92A6-2CCA7C19FAAA}"/>
+                <a16:creationId xmlns:a16="http://schemas.microsoft.com/office/drawing/2014/main" xmlns="" id="{AA083F78-7EAC-088E-92A6-2CCA7C19FAAA}"/>
               </a:ext>
             </a:extLst>
           </p:cNvPr>
@@ -3266,7 +3257,7 @@
           <p:cNvPr id="4" name="TextBox 3">
             <a:extLst>
               <a:ext uri="{FF2B5EF4-FFF2-40B4-BE49-F238E27FC236}">
-                <a16:creationId xmlns="" xmlns:a16="http://schemas.microsoft.com/office/drawing/2014/main" id="{B6956878-ABEC-AF9A-D2CE-3CA826B6E387}"/>
+                <a16:creationId xmlns:a16="http://schemas.microsoft.com/office/drawing/2014/main" xmlns="" id="{B6956878-ABEC-AF9A-D2CE-3CA826B6E387}"/>
               </a:ext>
             </a:extLst>
           </p:cNvPr>
@@ -3312,7 +3303,7 @@
           <p:cNvPr id="6" name="직선 연결선 5">
             <a:extLst>
               <a:ext uri="{FF2B5EF4-FFF2-40B4-BE49-F238E27FC236}">
-                <a16:creationId xmlns="" xmlns:a16="http://schemas.microsoft.com/office/drawing/2014/main" id="{AA083F78-7EAC-088E-92A6-2CCA7C19FAAA}"/>
+                <a16:creationId xmlns:a16="http://schemas.microsoft.com/office/drawing/2014/main" xmlns="" id="{AA083F78-7EAC-088E-92A6-2CCA7C19FAAA}"/>
               </a:ext>
             </a:extLst>
           </p:cNvPr>
@@ -4785,12 +4776,6 @@
                         </a:rPr>
                         <a:t>80%</a:t>
                       </a:r>
-                      <a:endParaRPr lang="en-US" altLang="ko-KR" sz="1200" b="0" strike="noStrike" dirty="0" smtClean="0">
-                        <a:solidFill>
-                          <a:schemeClr val="bg1"/>
-                        </a:solidFill>
-                        <a:latin typeface="+mj-lt"/>
-                      </a:endParaRPr>
                     </a:p>
                   </a:txBody>
                   <a:tcPr marL="45720" marR="45720" anchor="ctr">
@@ -7018,7 +7003,7 @@
           <p:cNvPr id="4" name="TextBox 3">
             <a:extLst>
               <a:ext uri="{FF2B5EF4-FFF2-40B4-BE49-F238E27FC236}">
-                <a16:creationId xmlns="" xmlns:a16="http://schemas.microsoft.com/office/drawing/2014/main" id="{B6956878-ABEC-AF9A-D2CE-3CA826B6E387}"/>
+                <a16:creationId xmlns:a16="http://schemas.microsoft.com/office/drawing/2014/main" xmlns="" id="{B6956878-ABEC-AF9A-D2CE-3CA826B6E387}"/>
               </a:ext>
             </a:extLst>
           </p:cNvPr>
@@ -7094,7 +7079,7 @@
           <p:cNvPr id="6" name="직선 연결선 5">
             <a:extLst>
               <a:ext uri="{FF2B5EF4-FFF2-40B4-BE49-F238E27FC236}">
-                <a16:creationId xmlns="" xmlns:a16="http://schemas.microsoft.com/office/drawing/2014/main" id="{AA083F78-7EAC-088E-92A6-2CCA7C19FAAA}"/>
+                <a16:creationId xmlns:a16="http://schemas.microsoft.com/office/drawing/2014/main" xmlns="" id="{AA083F78-7EAC-088E-92A6-2CCA7C19FAAA}"/>
               </a:ext>
             </a:extLst>
           </p:cNvPr>
@@ -7185,6 +7170,30 @@
           </a:p>
         </p:txBody>
       </p:sp>
+      <p:pic>
+        <p:nvPicPr>
+          <p:cNvPr id="3" name="그림 2"/>
+          <p:cNvPicPr>
+            <a:picLocks noChangeAspect="1"/>
+          </p:cNvPicPr>
+          <p:nvPr/>
+        </p:nvPicPr>
+        <p:blipFill>
+          <a:blip r:embed="rId2"/>
+          <a:stretch>
+            <a:fillRect/>
+          </a:stretch>
+        </p:blipFill>
+        <p:spPr>
+          <a:xfrm>
+            <a:off x="956384" y="1732002"/>
+            <a:ext cx="9738411" cy="4853569"/>
+          </a:xfrm>
+          <a:prstGeom prst="rect">
+            <a:avLst/>
+          </a:prstGeom>
+        </p:spPr>
+      </p:pic>
     </p:spTree>
     <p:extLst>
       <p:ext uri="{BB962C8B-B14F-4D97-AF65-F5344CB8AC3E}">
@@ -7232,10 +7241,108 @@
       </p:grpSpPr>
       <p:sp>
         <p:nvSpPr>
+          <p:cNvPr id="7" name="순서도: 페이지 연결자 6"/>
+          <p:cNvSpPr/>
+          <p:nvPr/>
+        </p:nvSpPr>
+        <p:spPr>
+          <a:xfrm rot="8309291">
+            <a:off x="11118367" y="5886918"/>
+            <a:ext cx="942294" cy="753443"/>
+          </a:xfrm>
+          <a:prstGeom prst="flowChartOffpageConnector">
+            <a:avLst/>
+          </a:prstGeom>
+          <a:solidFill>
+            <a:schemeClr val="bg1">
+              <a:alpha val="85000"/>
+            </a:schemeClr>
+          </a:solidFill>
+          <a:ln>
+            <a:solidFill>
+              <a:schemeClr val="bg1">
+                <a:lumMod val="75000"/>
+                <a:alpha val="49000"/>
+              </a:schemeClr>
+            </a:solidFill>
+          </a:ln>
+        </p:spPr>
+        <p:style>
+          <a:lnRef idx="2">
+            <a:schemeClr val="accent1">
+              <a:shade val="50000"/>
+            </a:schemeClr>
+          </a:lnRef>
+          <a:fillRef idx="1">
+            <a:schemeClr val="accent1"/>
+          </a:fillRef>
+          <a:effectRef idx="0">
+            <a:schemeClr val="accent1"/>
+          </a:effectRef>
+          <a:fontRef idx="minor">
+            <a:schemeClr val="lt1"/>
+          </a:fontRef>
+        </p:style>
+        <p:txBody>
+          <a:bodyPr rtlCol="0" anchor="ctr"/>
+          <a:lstStyle/>
+          <a:p>
+            <a:pPr algn="ctr"/>
+            <a:endParaRPr lang="ko-KR" altLang="en-US"/>
+          </a:p>
+        </p:txBody>
+      </p:sp>
+    </p:spTree>
+    <p:extLst>
+      <p:ext uri="{BB962C8B-B14F-4D97-AF65-F5344CB8AC3E}">
+        <p14:creationId xmlns:p14="http://schemas.microsoft.com/office/powerpoint/2010/main" val="338667654"/>
+      </p:ext>
+    </p:extLst>
+  </p:cSld>
+  <p:clrMapOvr>
+    <a:masterClrMapping/>
+  </p:clrMapOvr>
+  <p:timing>
+    <p:tnLst>
+      <p:par>
+        <p:cTn id="1" dur="indefinite" restart="never" nodeType="tmRoot"/>
+      </p:par>
+    </p:tnLst>
+  </p:timing>
+</p:sld>
+</file>
+
+<file path=ppt/slides/slide5.xml><?xml version="1.0" encoding="utf-8"?>
+<p:sld xmlns:a="http://schemas.openxmlformats.org/drawingml/2006/main" xmlns:r="http://schemas.openxmlformats.org/officeDocument/2006/relationships" xmlns:p="http://schemas.openxmlformats.org/presentationml/2006/main">
+  <p:cSld>
+    <p:bg>
+      <p:bgPr>
+        <a:solidFill>
+          <a:srgbClr val="4D6F33"/>
+        </a:solidFill>
+        <a:effectLst/>
+      </p:bgPr>
+    </p:bg>
+    <p:spTree>
+      <p:nvGrpSpPr>
+        <p:cNvPr id="1" name=""/>
+        <p:cNvGrpSpPr/>
+        <p:nvPr/>
+      </p:nvGrpSpPr>
+      <p:grpSpPr>
+        <a:xfrm>
+          <a:off x="0" y="0"/>
+          <a:ext cx="0" cy="0"/>
+          <a:chOff x="0" y="0"/>
+          <a:chExt cx="0" cy="0"/>
+        </a:xfrm>
+      </p:grpSpPr>
+      <p:sp>
+        <p:nvSpPr>
           <p:cNvPr id="4" name="TextBox 3">
             <a:extLst>
               <a:ext uri="{FF2B5EF4-FFF2-40B4-BE49-F238E27FC236}">
-                <a16:creationId xmlns="" xmlns:a16="http://schemas.microsoft.com/office/drawing/2014/main" id="{B6956878-ABEC-AF9A-D2CE-3CA826B6E387}"/>
+                <a16:creationId xmlns:a16="http://schemas.microsoft.com/office/drawing/2014/main" xmlns="" id="{B6956878-ABEC-AF9A-D2CE-3CA826B6E387}"/>
               </a:ext>
             </a:extLst>
           </p:cNvPr>
@@ -7281,7 +7388,7 @@
           <p:cNvPr id="6" name="직선 연결선 5">
             <a:extLst>
               <a:ext uri="{FF2B5EF4-FFF2-40B4-BE49-F238E27FC236}">
-                <a16:creationId xmlns="" xmlns:a16="http://schemas.microsoft.com/office/drawing/2014/main" id="{AA083F78-7EAC-088E-92A6-2CCA7C19FAAA}"/>
+                <a16:creationId xmlns:a16="http://schemas.microsoft.com/office/drawing/2014/main" xmlns="" id="{AA083F78-7EAC-088E-92A6-2CCA7C19FAAA}"/>
               </a:ext>
             </a:extLst>
           </p:cNvPr>

--- a/PPT/2DGP 2차 발표.pptx
+++ b/PPT/2DGP 2차 발표.pptx
@@ -2986,7 +2986,7 @@
           <p:cNvPr id="4" name="TextBox 3">
             <a:extLst>
               <a:ext uri="{FF2B5EF4-FFF2-40B4-BE49-F238E27FC236}">
-                <a16:creationId xmlns:a16="http://schemas.microsoft.com/office/drawing/2014/main" xmlns="" id="{B6956878-ABEC-AF9A-D2CE-3CA826B6E387}"/>
+                <a16:creationId xmlns="" xmlns:a16="http://schemas.microsoft.com/office/drawing/2014/main" id="{B6956878-ABEC-AF9A-D2CE-3CA826B6E387}"/>
               </a:ext>
             </a:extLst>
           </p:cNvPr>
@@ -3071,7 +3071,7 @@
           <p:cNvPr id="5" name="TextBox 4">
             <a:extLst>
               <a:ext uri="{FF2B5EF4-FFF2-40B4-BE49-F238E27FC236}">
-                <a16:creationId xmlns:a16="http://schemas.microsoft.com/office/drawing/2014/main" xmlns="" id="{B1BEB93D-E860-DD72-63D2-BA2ACD126D65}"/>
+                <a16:creationId xmlns="" xmlns:a16="http://schemas.microsoft.com/office/drawing/2014/main" id="{B1BEB93D-E860-DD72-63D2-BA2ACD126D65}"/>
               </a:ext>
             </a:extLst>
           </p:cNvPr>
@@ -3123,7 +3123,7 @@
           <p:cNvPr id="6" name="직선 연결선 5">
             <a:extLst>
               <a:ext uri="{FF2B5EF4-FFF2-40B4-BE49-F238E27FC236}">
-                <a16:creationId xmlns:a16="http://schemas.microsoft.com/office/drawing/2014/main" xmlns="" id="{AA083F78-7EAC-088E-92A6-2CCA7C19FAAA}"/>
+                <a16:creationId xmlns="" xmlns:a16="http://schemas.microsoft.com/office/drawing/2014/main" id="{AA083F78-7EAC-088E-92A6-2CCA7C19FAAA}"/>
               </a:ext>
             </a:extLst>
           </p:cNvPr>
@@ -3257,7 +3257,7 @@
           <p:cNvPr id="4" name="TextBox 3">
             <a:extLst>
               <a:ext uri="{FF2B5EF4-FFF2-40B4-BE49-F238E27FC236}">
-                <a16:creationId xmlns:a16="http://schemas.microsoft.com/office/drawing/2014/main" xmlns="" id="{B6956878-ABEC-AF9A-D2CE-3CA826B6E387}"/>
+                <a16:creationId xmlns="" xmlns:a16="http://schemas.microsoft.com/office/drawing/2014/main" id="{B6956878-ABEC-AF9A-D2CE-3CA826B6E387}"/>
               </a:ext>
             </a:extLst>
           </p:cNvPr>
@@ -3267,7 +3267,7 @@
         <p:spPr>
           <a:xfrm>
             <a:off x="259480" y="190016"/>
-            <a:ext cx="9292929" cy="1107996"/>
+            <a:ext cx="11772775" cy="1015663"/>
           </a:xfrm>
           <a:prstGeom prst="rect">
             <a:avLst/>
@@ -3281,16 +3281,56 @@
           <a:lstStyle/>
           <a:p>
             <a:r>
-              <a:rPr lang="ko-KR" altLang="en-US" sz="6600" b="1" spc="-150" dirty="0" smtClean="0">
+              <a:rPr lang="ko-KR" altLang="en-US" sz="6000" b="1" spc="-150" dirty="0" smtClean="0">
                 <a:solidFill>
                   <a:schemeClr val="bg1"/>
                 </a:solidFill>
                 <a:latin typeface="+mj-ea"/>
                 <a:ea typeface="+mj-ea"/>
               </a:rPr>
-              <a:t>프로젝트 개발 진행 상황</a:t>
+              <a:t>프로젝트 개발 진행 </a:t>
             </a:r>
-            <a:endParaRPr lang="ko-KR" altLang="en-US" sz="6000" spc="-150" dirty="0">
+            <a:r>
+              <a:rPr lang="ko-KR" altLang="en-US" sz="6000" b="1" spc="-150" dirty="0" smtClean="0">
+                <a:solidFill>
+                  <a:schemeClr val="bg1"/>
+                </a:solidFill>
+                <a:latin typeface="+mj-ea"/>
+                <a:ea typeface="+mj-ea"/>
+              </a:rPr>
+              <a:t>상황 </a:t>
+            </a:r>
+            <a:r>
+              <a:rPr lang="en-US" altLang="ko-KR" sz="4800" b="1" spc="-150" dirty="0" smtClean="0">
+                <a:solidFill>
+                  <a:schemeClr val="bg1"/>
+                </a:solidFill>
+                <a:latin typeface="+mj-ea"/>
+                <a:ea typeface="+mj-ea"/>
+              </a:rPr>
+              <a:t>– </a:t>
+            </a:r>
+            <a:r>
+              <a:rPr lang="ko-KR" altLang="en-US" sz="4800" b="1" spc="-150" dirty="0" smtClean="0">
+                <a:solidFill>
+                  <a:schemeClr val="bg1"/>
+                </a:solidFill>
+                <a:latin typeface="+mj-ea"/>
+                <a:ea typeface="+mj-ea"/>
+              </a:rPr>
+              <a:t>평균 </a:t>
+            </a:r>
+            <a:r>
+              <a:rPr lang="en-US" altLang="ko-KR" sz="4800" b="1" spc="-150" smtClean="0">
+                <a:solidFill>
+                  <a:schemeClr val="bg1"/>
+                </a:solidFill>
+                <a:latin typeface="+mj-ea"/>
+                <a:ea typeface="+mj-ea"/>
+              </a:rPr>
+              <a:t>80%</a:t>
+            </a:r>
+            <a:endParaRPr lang="ko-KR" altLang="en-US" sz="4400" spc="-150" dirty="0">
               <a:solidFill>
                 <a:schemeClr val="bg1"/>
               </a:solidFill>
@@ -3303,7 +3343,7 @@
           <p:cNvPr id="6" name="직선 연결선 5">
             <a:extLst>
               <a:ext uri="{FF2B5EF4-FFF2-40B4-BE49-F238E27FC236}">
-                <a16:creationId xmlns:a16="http://schemas.microsoft.com/office/drawing/2014/main" xmlns="" id="{AA083F78-7EAC-088E-92A6-2CCA7C19FAAA}"/>
+                <a16:creationId xmlns="" xmlns:a16="http://schemas.microsoft.com/office/drawing/2014/main" id="{AA083F78-7EAC-088E-92A6-2CCA7C19FAAA}"/>
               </a:ext>
             </a:extLst>
           </p:cNvPr>
@@ -7003,7 +7043,7 @@
           <p:cNvPr id="4" name="TextBox 3">
             <a:extLst>
               <a:ext uri="{FF2B5EF4-FFF2-40B4-BE49-F238E27FC236}">
-                <a16:creationId xmlns:a16="http://schemas.microsoft.com/office/drawing/2014/main" xmlns="" id="{B6956878-ABEC-AF9A-D2CE-3CA826B6E387}"/>
+                <a16:creationId xmlns="" xmlns:a16="http://schemas.microsoft.com/office/drawing/2014/main" id="{B6956878-ABEC-AF9A-D2CE-3CA826B6E387}"/>
               </a:ext>
             </a:extLst>
           </p:cNvPr>
@@ -7079,7 +7119,7 @@
           <p:cNvPr id="6" name="직선 연결선 5">
             <a:extLst>
               <a:ext uri="{FF2B5EF4-FFF2-40B4-BE49-F238E27FC236}">
-                <a16:creationId xmlns:a16="http://schemas.microsoft.com/office/drawing/2014/main" xmlns="" id="{AA083F78-7EAC-088E-92A6-2CCA7C19FAAA}"/>
+                <a16:creationId xmlns="" xmlns:a16="http://schemas.microsoft.com/office/drawing/2014/main" id="{AA083F78-7EAC-088E-92A6-2CCA7C19FAAA}"/>
               </a:ext>
             </a:extLst>
           </p:cNvPr>
@@ -7342,7 +7382,7 @@
           <p:cNvPr id="4" name="TextBox 3">
             <a:extLst>
               <a:ext uri="{FF2B5EF4-FFF2-40B4-BE49-F238E27FC236}">
-                <a16:creationId xmlns:a16="http://schemas.microsoft.com/office/drawing/2014/main" xmlns="" id="{B6956878-ABEC-AF9A-D2CE-3CA826B6E387}"/>
+                <a16:creationId xmlns="" xmlns:a16="http://schemas.microsoft.com/office/drawing/2014/main" id="{B6956878-ABEC-AF9A-D2CE-3CA826B6E387}"/>
               </a:ext>
             </a:extLst>
           </p:cNvPr>
@@ -7388,7 +7428,7 @@
           <p:cNvPr id="6" name="직선 연결선 5">
             <a:extLst>
               <a:ext uri="{FF2B5EF4-FFF2-40B4-BE49-F238E27FC236}">
-                <a16:creationId xmlns:a16="http://schemas.microsoft.com/office/drawing/2014/main" xmlns="" id="{AA083F78-7EAC-088E-92A6-2CCA7C19FAAA}"/>
+                <a16:creationId xmlns="" xmlns:a16="http://schemas.microsoft.com/office/drawing/2014/main" id="{AA083F78-7EAC-088E-92A6-2CCA7C19FAAA}"/>
               </a:ext>
             </a:extLst>
           </p:cNvPr>

--- a/PPT/2DGP 2차 발표.pptx
+++ b/PPT/2DGP 2차 발표.pptx
@@ -8,8 +8,7 @@
     <p:sldId id="256" r:id="rId2"/>
     <p:sldId id="261" r:id="rId3"/>
     <p:sldId id="267" r:id="rId4"/>
-    <p:sldId id="268" r:id="rId5"/>
-    <p:sldId id="266" r:id="rId6"/>
+    <p:sldId id="266" r:id="rId5"/>
   </p:sldIdLst>
   <p:sldSz cx="12192000" cy="6858000"/>
   <p:notesSz cx="6858000" cy="9144000"/>
@@ -247,7 +246,7 @@
           <a:p>
             <a:fld id="{B8C3B2DA-AB31-49D7-A132-8DB3C6D9AC1A}" type="datetimeFigureOut">
               <a:rPr lang="ko-KR" altLang="en-US" smtClean="0"/>
-              <a:t>2023-11-12</a:t>
+              <a:t>2023-12-06</a:t>
             </a:fld>
             <a:endParaRPr lang="ko-KR" altLang="en-US"/>
           </a:p>
@@ -417,7 +416,7 @@
           <a:p>
             <a:fld id="{B8C3B2DA-AB31-49D7-A132-8DB3C6D9AC1A}" type="datetimeFigureOut">
               <a:rPr lang="ko-KR" altLang="en-US" smtClean="0"/>
-              <a:t>2023-11-12</a:t>
+              <a:t>2023-12-06</a:t>
             </a:fld>
             <a:endParaRPr lang="ko-KR" altLang="en-US"/>
           </a:p>
@@ -597,7 +596,7 @@
           <a:p>
             <a:fld id="{B8C3B2DA-AB31-49D7-A132-8DB3C6D9AC1A}" type="datetimeFigureOut">
               <a:rPr lang="ko-KR" altLang="en-US" smtClean="0"/>
-              <a:t>2023-11-12</a:t>
+              <a:t>2023-12-06</a:t>
             </a:fld>
             <a:endParaRPr lang="ko-KR" altLang="en-US"/>
           </a:p>
@@ -767,7 +766,7 @@
           <a:p>
             <a:fld id="{B8C3B2DA-AB31-49D7-A132-8DB3C6D9AC1A}" type="datetimeFigureOut">
               <a:rPr lang="ko-KR" altLang="en-US" smtClean="0"/>
-              <a:t>2023-11-12</a:t>
+              <a:t>2023-12-06</a:t>
             </a:fld>
             <a:endParaRPr lang="ko-KR" altLang="en-US"/>
           </a:p>
@@ -1013,7 +1012,7 @@
           <a:p>
             <a:fld id="{B8C3B2DA-AB31-49D7-A132-8DB3C6D9AC1A}" type="datetimeFigureOut">
               <a:rPr lang="ko-KR" altLang="en-US" smtClean="0"/>
-              <a:t>2023-11-12</a:t>
+              <a:t>2023-12-06</a:t>
             </a:fld>
             <a:endParaRPr lang="ko-KR" altLang="en-US"/>
           </a:p>
@@ -1245,7 +1244,7 @@
           <a:p>
             <a:fld id="{B8C3B2DA-AB31-49D7-A132-8DB3C6D9AC1A}" type="datetimeFigureOut">
               <a:rPr lang="ko-KR" altLang="en-US" smtClean="0"/>
-              <a:t>2023-11-12</a:t>
+              <a:t>2023-12-06</a:t>
             </a:fld>
             <a:endParaRPr lang="ko-KR" altLang="en-US"/>
           </a:p>
@@ -1612,7 +1611,7 @@
           <a:p>
             <a:fld id="{B8C3B2DA-AB31-49D7-A132-8DB3C6D9AC1A}" type="datetimeFigureOut">
               <a:rPr lang="ko-KR" altLang="en-US" smtClean="0"/>
-              <a:t>2023-11-12</a:t>
+              <a:t>2023-12-06</a:t>
             </a:fld>
             <a:endParaRPr lang="ko-KR" altLang="en-US"/>
           </a:p>
@@ -1730,7 +1729,7 @@
           <a:p>
             <a:fld id="{B8C3B2DA-AB31-49D7-A132-8DB3C6D9AC1A}" type="datetimeFigureOut">
               <a:rPr lang="ko-KR" altLang="en-US" smtClean="0"/>
-              <a:t>2023-11-12</a:t>
+              <a:t>2023-12-06</a:t>
             </a:fld>
             <a:endParaRPr lang="ko-KR" altLang="en-US"/>
           </a:p>
@@ -1825,7 +1824,7 @@
           <a:p>
             <a:fld id="{B8C3B2DA-AB31-49D7-A132-8DB3C6D9AC1A}" type="datetimeFigureOut">
               <a:rPr lang="ko-KR" altLang="en-US" smtClean="0"/>
-              <a:t>2023-11-12</a:t>
+              <a:t>2023-12-06</a:t>
             </a:fld>
             <a:endParaRPr lang="ko-KR" altLang="en-US"/>
           </a:p>
@@ -2102,7 +2101,7 @@
           <a:p>
             <a:fld id="{B8C3B2DA-AB31-49D7-A132-8DB3C6D9AC1A}" type="datetimeFigureOut">
               <a:rPr lang="ko-KR" altLang="en-US" smtClean="0"/>
-              <a:t>2023-11-12</a:t>
+              <a:t>2023-12-06</a:t>
             </a:fld>
             <a:endParaRPr lang="ko-KR" altLang="en-US"/>
           </a:p>
@@ -2355,7 +2354,7 @@
           <a:p>
             <a:fld id="{B8C3B2DA-AB31-49D7-A132-8DB3C6D9AC1A}" type="datetimeFigureOut">
               <a:rPr lang="ko-KR" altLang="en-US" smtClean="0"/>
-              <a:t>2023-11-12</a:t>
+              <a:t>2023-12-06</a:t>
             </a:fld>
             <a:endParaRPr lang="ko-KR" altLang="en-US"/>
           </a:p>
@@ -2568,7 +2567,7 @@
           <a:p>
             <a:fld id="{B8C3B2DA-AB31-49D7-A132-8DB3C6D9AC1A}" type="datetimeFigureOut">
               <a:rPr lang="ko-KR" altLang="en-US" smtClean="0"/>
-              <a:t>2023-11-12</a:t>
+              <a:t>2023-12-06</a:t>
             </a:fld>
             <a:endParaRPr lang="ko-KR" altLang="en-US"/>
           </a:p>
@@ -2986,7 +2985,7 @@
           <p:cNvPr id="4" name="TextBox 3">
             <a:extLst>
               <a:ext uri="{FF2B5EF4-FFF2-40B4-BE49-F238E27FC236}">
-                <a16:creationId xmlns="" xmlns:a16="http://schemas.microsoft.com/office/drawing/2014/main" id="{B6956878-ABEC-AF9A-D2CE-3CA826B6E387}"/>
+                <a16:creationId xmlns:a16="http://schemas.microsoft.com/office/drawing/2014/main" xmlns="" id="{B6956878-ABEC-AF9A-D2CE-3CA826B6E387}"/>
               </a:ext>
             </a:extLst>
           </p:cNvPr>
@@ -3014,8 +3013,9 @@
                 <a:solidFill>
                   <a:schemeClr val="bg1"/>
                 </a:solidFill>
-                <a:latin typeface="+mj-ea"/>
-                <a:ea typeface="+mj-ea"/>
+                <a:latin typeface="Adobe 고딕 Std B" panose="020B0800000000000000" pitchFamily="34" charset="-127"/>
+                <a:ea typeface="Adobe 고딕 Std B" panose="020B0800000000000000" pitchFamily="34" charset="-127"/>
+                <a:cs typeface="둥근모꼴" panose="020B0500000000000000" pitchFamily="50" charset="-127"/>
               </a:rPr>
               <a:t>2D </a:t>
             </a:r>
@@ -3024,8 +3024,9 @@
                 <a:solidFill>
                   <a:schemeClr val="bg1"/>
                 </a:solidFill>
-                <a:latin typeface="+mj-ea"/>
-                <a:ea typeface="+mj-ea"/>
+                <a:latin typeface="Adobe 고딕 Std B" panose="020B0800000000000000" pitchFamily="34" charset="-127"/>
+                <a:ea typeface="Adobe 고딕 Std B" panose="020B0800000000000000" pitchFamily="34" charset="-127"/>
+                <a:cs typeface="둥근모꼴" panose="020B0500000000000000" pitchFamily="50" charset="-127"/>
               </a:rPr>
               <a:t>게임 프로그래밍</a:t>
             </a:r>
@@ -3033,8 +3034,9 @@
               <a:solidFill>
                 <a:schemeClr val="bg1"/>
               </a:solidFill>
-              <a:latin typeface="+mj-ea"/>
-              <a:ea typeface="+mj-ea"/>
+              <a:latin typeface="Adobe 고딕 Std B" panose="020B0800000000000000" pitchFamily="34" charset="-127"/>
+              <a:ea typeface="Adobe 고딕 Std B" panose="020B0800000000000000" pitchFamily="34" charset="-127"/>
+              <a:cs typeface="둥근모꼴" panose="020B0500000000000000" pitchFamily="50" charset="-127"/>
             </a:endParaRPr>
           </a:p>
           <a:p>
@@ -3043,8 +3045,9 @@
                 <a:solidFill>
                   <a:schemeClr val="bg1"/>
                 </a:solidFill>
-                <a:latin typeface="+mj-ea"/>
-                <a:ea typeface="+mj-ea"/>
+                <a:latin typeface="Adobe 고딕 Std B" panose="020B0800000000000000" pitchFamily="34" charset="-127"/>
+                <a:ea typeface="Adobe 고딕 Std B" panose="020B0800000000000000" pitchFamily="34" charset="-127"/>
+                <a:cs typeface="둥근모꼴" panose="020B0500000000000000" pitchFamily="50" charset="-127"/>
               </a:rPr>
               <a:t>2</a:t>
             </a:r>
@@ -3053,8 +3056,9 @@
                 <a:solidFill>
                   <a:schemeClr val="bg1"/>
                 </a:solidFill>
-                <a:latin typeface="+mj-ea"/>
-                <a:ea typeface="+mj-ea"/>
+                <a:latin typeface="Adobe 고딕 Std B" panose="020B0800000000000000" pitchFamily="34" charset="-127"/>
+                <a:ea typeface="Adobe 고딕 Std B" panose="020B0800000000000000" pitchFamily="34" charset="-127"/>
+                <a:cs typeface="둥근모꼴" panose="020B0500000000000000" pitchFamily="50" charset="-127"/>
               </a:rPr>
               <a:t>차 발표</a:t>
             </a:r>
@@ -3062,6 +3066,9 @@
               <a:solidFill>
                 <a:schemeClr val="bg1"/>
               </a:solidFill>
+              <a:latin typeface="Adobe 고딕 Std B" panose="020B0800000000000000" pitchFamily="34" charset="-127"/>
+              <a:ea typeface="Adobe 고딕 Std B" panose="020B0800000000000000" pitchFamily="34" charset="-127"/>
+              <a:cs typeface="둥근모꼴" panose="020B0500000000000000" pitchFamily="50" charset="-127"/>
             </a:endParaRPr>
           </a:p>
         </p:txBody>
@@ -3071,7 +3078,7 @@
           <p:cNvPr id="5" name="TextBox 4">
             <a:extLst>
               <a:ext uri="{FF2B5EF4-FFF2-40B4-BE49-F238E27FC236}">
-                <a16:creationId xmlns="" xmlns:a16="http://schemas.microsoft.com/office/drawing/2014/main" id="{B1BEB93D-E860-DD72-63D2-BA2ACD126D65}"/>
+                <a16:creationId xmlns:a16="http://schemas.microsoft.com/office/drawing/2014/main" xmlns="" id="{B1BEB93D-E860-DD72-63D2-BA2ACD126D65}"/>
               </a:ext>
             </a:extLst>
           </p:cNvPr>
@@ -3080,8 +3087,8 @@
         </p:nvSpPr>
         <p:spPr>
           <a:xfrm rot="19658532">
-            <a:off x="4495863" y="5843348"/>
-            <a:ext cx="2454518" cy="400110"/>
+            <a:off x="4480634" y="5843348"/>
+            <a:ext cx="2484976" cy="400110"/>
           </a:xfrm>
           <a:prstGeom prst="rect">
             <a:avLst/>
@@ -3099,6 +3106,9 @@
                 <a:solidFill>
                   <a:schemeClr val="bg1"/>
                 </a:solidFill>
+                <a:latin typeface="Adobe 고딕 Std B" panose="020B0800000000000000" pitchFamily="34" charset="-127"/>
+                <a:ea typeface="Adobe 고딕 Std B" panose="020B0800000000000000" pitchFamily="34" charset="-127"/>
+                <a:cs typeface="둥근모꼴" panose="020B0500000000000000" pitchFamily="50" charset="-127"/>
               </a:rPr>
               <a:t>2020184015 </a:t>
             </a:r>
@@ -3107,6 +3117,9 @@
                 <a:solidFill>
                   <a:schemeClr val="bg1"/>
                 </a:solidFill>
+                <a:latin typeface="Adobe 고딕 Std B" panose="020B0800000000000000" pitchFamily="34" charset="-127"/>
+                <a:ea typeface="Adobe 고딕 Std B" panose="020B0800000000000000" pitchFamily="34" charset="-127"/>
+                <a:cs typeface="둥근모꼴" panose="020B0500000000000000" pitchFamily="50" charset="-127"/>
               </a:rPr>
               <a:t>박가현</a:t>
             </a:r>
@@ -3114,6 +3127,9 @@
               <a:solidFill>
                 <a:schemeClr val="bg1"/>
               </a:solidFill>
+              <a:latin typeface="Adobe 고딕 Std B" panose="020B0800000000000000" pitchFamily="34" charset="-127"/>
+              <a:ea typeface="Adobe 고딕 Std B" panose="020B0800000000000000" pitchFamily="34" charset="-127"/>
+              <a:cs typeface="둥근모꼴" panose="020B0500000000000000" pitchFamily="50" charset="-127"/>
             </a:endParaRPr>
           </a:p>
         </p:txBody>
@@ -3123,7 +3139,7 @@
           <p:cNvPr id="6" name="직선 연결선 5">
             <a:extLst>
               <a:ext uri="{FF2B5EF4-FFF2-40B4-BE49-F238E27FC236}">
-                <a16:creationId xmlns="" xmlns:a16="http://schemas.microsoft.com/office/drawing/2014/main" id="{AA083F78-7EAC-088E-92A6-2CCA7C19FAAA}"/>
+                <a16:creationId xmlns:a16="http://schemas.microsoft.com/office/drawing/2014/main" xmlns="" id="{AA083F78-7EAC-088E-92A6-2CCA7C19FAAA}"/>
               </a:ext>
             </a:extLst>
           </p:cNvPr>
@@ -3203,7 +3219,11 @@
           <a:lstStyle/>
           <a:p>
             <a:pPr algn="ctr"/>
-            <a:endParaRPr lang="ko-KR" altLang="en-US"/>
+            <a:endParaRPr lang="ko-KR" altLang="en-US">
+              <a:latin typeface="Adobe 고딕 Std B" panose="020B0800000000000000" pitchFamily="34" charset="-127"/>
+              <a:ea typeface="Adobe 고딕 Std B" panose="020B0800000000000000" pitchFamily="34" charset="-127"/>
+              <a:cs typeface="둥근모꼴" panose="020B0500000000000000" pitchFamily="50" charset="-127"/>
+            </a:endParaRPr>
           </a:p>
         </p:txBody>
       </p:sp>
@@ -3257,7 +3277,7 @@
           <p:cNvPr id="4" name="TextBox 3">
             <a:extLst>
               <a:ext uri="{FF2B5EF4-FFF2-40B4-BE49-F238E27FC236}">
-                <a16:creationId xmlns="" xmlns:a16="http://schemas.microsoft.com/office/drawing/2014/main" id="{B6956878-ABEC-AF9A-D2CE-3CA826B6E387}"/>
+                <a16:creationId xmlns:a16="http://schemas.microsoft.com/office/drawing/2014/main" xmlns="" id="{B6956878-ABEC-AF9A-D2CE-3CA826B6E387}"/>
               </a:ext>
             </a:extLst>
           </p:cNvPr>
@@ -3288,17 +3308,7 @@
                 <a:latin typeface="+mj-ea"/>
                 <a:ea typeface="+mj-ea"/>
               </a:rPr>
-              <a:t>프로젝트 개발 진행 </a:t>
-            </a:r>
-            <a:r>
-              <a:rPr lang="ko-KR" altLang="en-US" sz="6000" b="1" spc="-150" dirty="0" smtClean="0">
-                <a:solidFill>
-                  <a:schemeClr val="bg1"/>
-                </a:solidFill>
-                <a:latin typeface="+mj-ea"/>
-                <a:ea typeface="+mj-ea"/>
-              </a:rPr>
-              <a:t>상황 </a:t>
+              <a:t>프로젝트 개발 진행 상황 </a:t>
             </a:r>
             <a:r>
               <a:rPr lang="en-US" altLang="ko-KR" sz="4800" b="1" spc="-150" dirty="0" smtClean="0">
@@ -3343,7 +3353,7 @@
           <p:cNvPr id="6" name="직선 연결선 5">
             <a:extLst>
               <a:ext uri="{FF2B5EF4-FFF2-40B4-BE49-F238E27FC236}">
-                <a16:creationId xmlns="" xmlns:a16="http://schemas.microsoft.com/office/drawing/2014/main" id="{AA083F78-7EAC-088E-92A6-2CCA7C19FAAA}"/>
+                <a16:creationId xmlns:a16="http://schemas.microsoft.com/office/drawing/2014/main" xmlns="" id="{AA083F78-7EAC-088E-92A6-2CCA7C19FAAA}"/>
               </a:ext>
             </a:extLst>
           </p:cNvPr>
@@ -7043,7 +7053,7 @@
           <p:cNvPr id="4" name="TextBox 3">
             <a:extLst>
               <a:ext uri="{FF2B5EF4-FFF2-40B4-BE49-F238E27FC236}">
-                <a16:creationId xmlns="" xmlns:a16="http://schemas.microsoft.com/office/drawing/2014/main" id="{B6956878-ABEC-AF9A-D2CE-3CA826B6E387}"/>
+                <a16:creationId xmlns:a16="http://schemas.microsoft.com/office/drawing/2014/main" xmlns="" id="{B6956878-ABEC-AF9A-D2CE-3CA826B6E387}"/>
               </a:ext>
             </a:extLst>
           </p:cNvPr>
@@ -7119,7 +7129,7 @@
           <p:cNvPr id="6" name="직선 연결선 5">
             <a:extLst>
               <a:ext uri="{FF2B5EF4-FFF2-40B4-BE49-F238E27FC236}">
-                <a16:creationId xmlns="" xmlns:a16="http://schemas.microsoft.com/office/drawing/2014/main" id="{AA083F78-7EAC-088E-92A6-2CCA7C19FAAA}"/>
+                <a16:creationId xmlns:a16="http://schemas.microsoft.com/office/drawing/2014/main" xmlns="" id="{AA083F78-7EAC-088E-92A6-2CCA7C19FAAA}"/>
               </a:ext>
             </a:extLst>
           </p:cNvPr>
@@ -7281,108 +7291,10 @@
       </p:grpSpPr>
       <p:sp>
         <p:nvSpPr>
-          <p:cNvPr id="7" name="순서도: 페이지 연결자 6"/>
-          <p:cNvSpPr/>
-          <p:nvPr/>
-        </p:nvSpPr>
-        <p:spPr>
-          <a:xfrm rot="8309291">
-            <a:off x="11118367" y="5886918"/>
-            <a:ext cx="942294" cy="753443"/>
-          </a:xfrm>
-          <a:prstGeom prst="flowChartOffpageConnector">
-            <a:avLst/>
-          </a:prstGeom>
-          <a:solidFill>
-            <a:schemeClr val="bg1">
-              <a:alpha val="85000"/>
-            </a:schemeClr>
-          </a:solidFill>
-          <a:ln>
-            <a:solidFill>
-              <a:schemeClr val="bg1">
-                <a:lumMod val="75000"/>
-                <a:alpha val="49000"/>
-              </a:schemeClr>
-            </a:solidFill>
-          </a:ln>
-        </p:spPr>
-        <p:style>
-          <a:lnRef idx="2">
-            <a:schemeClr val="accent1">
-              <a:shade val="50000"/>
-            </a:schemeClr>
-          </a:lnRef>
-          <a:fillRef idx="1">
-            <a:schemeClr val="accent1"/>
-          </a:fillRef>
-          <a:effectRef idx="0">
-            <a:schemeClr val="accent1"/>
-          </a:effectRef>
-          <a:fontRef idx="minor">
-            <a:schemeClr val="lt1"/>
-          </a:fontRef>
-        </p:style>
-        <p:txBody>
-          <a:bodyPr rtlCol="0" anchor="ctr"/>
-          <a:lstStyle/>
-          <a:p>
-            <a:pPr algn="ctr"/>
-            <a:endParaRPr lang="ko-KR" altLang="en-US"/>
-          </a:p>
-        </p:txBody>
-      </p:sp>
-    </p:spTree>
-    <p:extLst>
-      <p:ext uri="{BB962C8B-B14F-4D97-AF65-F5344CB8AC3E}">
-        <p14:creationId xmlns:p14="http://schemas.microsoft.com/office/powerpoint/2010/main" val="338667654"/>
-      </p:ext>
-    </p:extLst>
-  </p:cSld>
-  <p:clrMapOvr>
-    <a:masterClrMapping/>
-  </p:clrMapOvr>
-  <p:timing>
-    <p:tnLst>
-      <p:par>
-        <p:cTn id="1" dur="indefinite" restart="never" nodeType="tmRoot"/>
-      </p:par>
-    </p:tnLst>
-  </p:timing>
-</p:sld>
-</file>
-
-<file path=ppt/slides/slide5.xml><?xml version="1.0" encoding="utf-8"?>
-<p:sld xmlns:a="http://schemas.openxmlformats.org/drawingml/2006/main" xmlns:r="http://schemas.openxmlformats.org/officeDocument/2006/relationships" xmlns:p="http://schemas.openxmlformats.org/presentationml/2006/main">
-  <p:cSld>
-    <p:bg>
-      <p:bgPr>
-        <a:solidFill>
-          <a:srgbClr val="4D6F33"/>
-        </a:solidFill>
-        <a:effectLst/>
-      </p:bgPr>
-    </p:bg>
-    <p:spTree>
-      <p:nvGrpSpPr>
-        <p:cNvPr id="1" name=""/>
-        <p:cNvGrpSpPr/>
-        <p:nvPr/>
-      </p:nvGrpSpPr>
-      <p:grpSpPr>
-        <a:xfrm>
-          <a:off x="0" y="0"/>
-          <a:ext cx="0" cy="0"/>
-          <a:chOff x="0" y="0"/>
-          <a:chExt cx="0" cy="0"/>
-        </a:xfrm>
-      </p:grpSpPr>
-      <p:sp>
-        <p:nvSpPr>
           <p:cNvPr id="4" name="TextBox 3">
             <a:extLst>
               <a:ext uri="{FF2B5EF4-FFF2-40B4-BE49-F238E27FC236}">
-                <a16:creationId xmlns="" xmlns:a16="http://schemas.microsoft.com/office/drawing/2014/main" id="{B6956878-ABEC-AF9A-D2CE-3CA826B6E387}"/>
+                <a16:creationId xmlns:a16="http://schemas.microsoft.com/office/drawing/2014/main" xmlns="" id="{B6956878-ABEC-AF9A-D2CE-3CA826B6E387}"/>
               </a:ext>
             </a:extLst>
           </p:cNvPr>
@@ -7428,7 +7340,7 @@
           <p:cNvPr id="6" name="직선 연결선 5">
             <a:extLst>
               <a:ext uri="{FF2B5EF4-FFF2-40B4-BE49-F238E27FC236}">
-                <a16:creationId xmlns="" xmlns:a16="http://schemas.microsoft.com/office/drawing/2014/main" id="{AA083F78-7EAC-088E-92A6-2CCA7C19FAAA}"/>
+                <a16:creationId xmlns:a16="http://schemas.microsoft.com/office/drawing/2014/main" xmlns="" id="{AA083F78-7EAC-088E-92A6-2CCA7C19FAAA}"/>
               </a:ext>
             </a:extLst>
           </p:cNvPr>
